--- a/Figure_3.pptx
+++ b/Figure_3.pptx
@@ -5,7 +5,7 @@
     <p:sldMasterId id="2147483684" r:id="rId1"/>
   </p:sldMasterIdLst>
   <p:sldIdLst>
-    <p:sldId id="259" r:id="rId2"/>
+    <p:sldId id="260" r:id="rId2"/>
   </p:sldIdLst>
   <p:sldSz cx="5943600" cy="8229600"/>
   <p:notesSz cx="6858000" cy="9144000"/>
@@ -254,7 +254,7 @@
           <a:p>
             <a:fld id="{B59915E6-7132-BB43-B739-CB01C0453807}" type="datetimeFigureOut">
               <a:rPr lang="en-US" smtClean="0"/>
-              <a:t>6/3/25</a:t>
+              <a:t>9/9/25</a:t>
             </a:fld>
             <a:endParaRPr lang="en-US"/>
           </a:p>
@@ -424,7 +424,7 @@
           <a:p>
             <a:fld id="{B59915E6-7132-BB43-B739-CB01C0453807}" type="datetimeFigureOut">
               <a:rPr lang="en-US" smtClean="0"/>
-              <a:t>6/3/25</a:t>
+              <a:t>9/9/25</a:t>
             </a:fld>
             <a:endParaRPr lang="en-US"/>
           </a:p>
@@ -604,7 +604,7 @@
           <a:p>
             <a:fld id="{B59915E6-7132-BB43-B739-CB01C0453807}" type="datetimeFigureOut">
               <a:rPr lang="en-US" smtClean="0"/>
-              <a:t>6/3/25</a:t>
+              <a:t>9/9/25</a:t>
             </a:fld>
             <a:endParaRPr lang="en-US"/>
           </a:p>
@@ -774,7 +774,7 @@
           <a:p>
             <a:fld id="{B59915E6-7132-BB43-B739-CB01C0453807}" type="datetimeFigureOut">
               <a:rPr lang="en-US" smtClean="0"/>
-              <a:t>6/3/25</a:t>
+              <a:t>9/9/25</a:t>
             </a:fld>
             <a:endParaRPr lang="en-US"/>
           </a:p>
@@ -1018,7 +1018,7 @@
           <a:p>
             <a:fld id="{B59915E6-7132-BB43-B739-CB01C0453807}" type="datetimeFigureOut">
               <a:rPr lang="en-US" smtClean="0"/>
-              <a:t>6/3/25</a:t>
+              <a:t>9/9/25</a:t>
             </a:fld>
             <a:endParaRPr lang="en-US"/>
           </a:p>
@@ -1250,7 +1250,7 @@
           <a:p>
             <a:fld id="{B59915E6-7132-BB43-B739-CB01C0453807}" type="datetimeFigureOut">
               <a:rPr lang="en-US" smtClean="0"/>
-              <a:t>6/3/25</a:t>
+              <a:t>9/9/25</a:t>
             </a:fld>
             <a:endParaRPr lang="en-US"/>
           </a:p>
@@ -1617,7 +1617,7 @@
           <a:p>
             <a:fld id="{B59915E6-7132-BB43-B739-CB01C0453807}" type="datetimeFigureOut">
               <a:rPr lang="en-US" smtClean="0"/>
-              <a:t>6/3/25</a:t>
+              <a:t>9/9/25</a:t>
             </a:fld>
             <a:endParaRPr lang="en-US"/>
           </a:p>
@@ -1735,7 +1735,7 @@
           <a:p>
             <a:fld id="{B59915E6-7132-BB43-B739-CB01C0453807}" type="datetimeFigureOut">
               <a:rPr lang="en-US" smtClean="0"/>
-              <a:t>6/3/25</a:t>
+              <a:t>9/9/25</a:t>
             </a:fld>
             <a:endParaRPr lang="en-US"/>
           </a:p>
@@ -1830,7 +1830,7 @@
           <a:p>
             <a:fld id="{B59915E6-7132-BB43-B739-CB01C0453807}" type="datetimeFigureOut">
               <a:rPr lang="en-US" smtClean="0"/>
-              <a:t>6/3/25</a:t>
+              <a:t>9/8/25</a:t>
             </a:fld>
             <a:endParaRPr lang="en-US"/>
           </a:p>
@@ -2107,7 +2107,7 @@
           <a:p>
             <a:fld id="{B59915E6-7132-BB43-B739-CB01C0453807}" type="datetimeFigureOut">
               <a:rPr lang="en-US" smtClean="0"/>
-              <a:t>6/3/25</a:t>
+              <a:t>9/9/25</a:t>
             </a:fld>
             <a:endParaRPr lang="en-US"/>
           </a:p>
@@ -2364,7 +2364,7 @@
           <a:p>
             <a:fld id="{B59915E6-7132-BB43-B739-CB01C0453807}" type="datetimeFigureOut">
               <a:rPr lang="en-US" smtClean="0"/>
-              <a:t>6/3/25</a:t>
+              <a:t>9/9/25</a:t>
             </a:fld>
             <a:endParaRPr lang="en-US"/>
           </a:p>
@@ -2577,7 +2577,7 @@
           <a:p>
             <a:fld id="{B59915E6-7132-BB43-B739-CB01C0453807}" type="datetimeFigureOut">
               <a:rPr lang="en-US" smtClean="0"/>
-              <a:t>6/3/25</a:t>
+              <a:t>9/8/25</a:t>
             </a:fld>
             <a:endParaRPr lang="en-US"/>
           </a:p>
@@ -2973,7 +2973,7 @@
         <p:cNvPr id="1" name="">
           <a:extLst>
             <a:ext uri="{FF2B5EF4-FFF2-40B4-BE49-F238E27FC236}">
-              <a16:creationId xmlns:a16="http://schemas.microsoft.com/office/drawing/2014/main" id="{32F46F58-3F55-8AAA-DB68-2A9A3532D9E9}"/>
+              <a16:creationId xmlns:a16="http://schemas.microsoft.com/office/drawing/2014/main" id="{4DD23F0A-CFF9-874C-BE6B-56F997C66C3C}"/>
             </a:ext>
           </a:extLst>
         </p:cNvPr>
@@ -2993,7 +2993,7 @@
           <p:cNvPr id="132" name="Rectangle 131">
             <a:extLst>
               <a:ext uri="{FF2B5EF4-FFF2-40B4-BE49-F238E27FC236}">
-                <a16:creationId xmlns:a16="http://schemas.microsoft.com/office/drawing/2014/main" id="{49D290F1-51D4-6FC8-5E54-B2D03D4E20E6}"/>
+                <a16:creationId xmlns:a16="http://schemas.microsoft.com/office/drawing/2014/main" id="{0F31F834-5783-EDDB-53ED-8362392CF7E4}"/>
               </a:ext>
             </a:extLst>
           </p:cNvPr>
@@ -3002,7 +3002,7 @@
         </p:nvSpPr>
         <p:spPr>
           <a:xfrm>
-            <a:off x="0" y="0"/>
+            <a:off x="25564" y="2251"/>
             <a:ext cx="5961501" cy="5289630"/>
           </a:xfrm>
           <a:prstGeom prst="rect">
@@ -3042,28 +3042,29 @@
       </p:sp>
       <p:pic>
         <p:nvPicPr>
-          <p:cNvPr id="5" name="Picture 4">
+          <p:cNvPr id="13" name="Picture 12">
             <a:extLst>
               <a:ext uri="{FF2B5EF4-FFF2-40B4-BE49-F238E27FC236}">
-                <a16:creationId xmlns:a16="http://schemas.microsoft.com/office/drawing/2014/main" id="{586AB1E4-971C-9019-D9B3-A65204603756}"/>
+                <a16:creationId xmlns:a16="http://schemas.microsoft.com/office/drawing/2014/main" id="{D2957577-5757-6CAD-6E7A-127E7693CE6A}"/>
               </a:ext>
             </a:extLst>
           </p:cNvPr>
           <p:cNvPicPr>
-            <a:picLocks/>
+            <a:picLocks noChangeAspect="1"/>
           </p:cNvPicPr>
           <p:nvPr/>
         </p:nvPicPr>
         <p:blipFill>
           <a:blip r:embed="rId2"/>
+          <a:srcRect l="13626" r="13001"/>
           <a:stretch>
             <a:fillRect/>
           </a:stretch>
         </p:blipFill>
         <p:spPr>
           <a:xfrm>
-            <a:off x="34515" y="2626147"/>
-            <a:ext cx="2971800" cy="1993392"/>
+            <a:off x="442202" y="330850"/>
+            <a:ext cx="2132814" cy="1984248"/>
           </a:xfrm>
           <a:prstGeom prst="rect">
             <a:avLst/>
@@ -3072,10 +3073,10 @@
       </p:pic>
       <p:pic>
         <p:nvPicPr>
-          <p:cNvPr id="6" name="Picture 5">
+          <p:cNvPr id="14" name="Picture 13">
             <a:extLst>
               <a:ext uri="{FF2B5EF4-FFF2-40B4-BE49-F238E27FC236}">
-                <a16:creationId xmlns:a16="http://schemas.microsoft.com/office/drawing/2014/main" id="{6DB3F946-9939-71FC-F487-B5D18E285498}"/>
+                <a16:creationId xmlns:a16="http://schemas.microsoft.com/office/drawing/2014/main" id="{288A233F-E707-3135-9FC0-02A850771201}"/>
               </a:ext>
             </a:extLst>
           </p:cNvPr>
@@ -3092,8 +3093,8 @@
         </p:blipFill>
         <p:spPr>
           <a:xfrm>
-            <a:off x="2984155" y="2640502"/>
-            <a:ext cx="2971800" cy="1983682"/>
+            <a:off x="13854" y="2624978"/>
+            <a:ext cx="2952174" cy="1984248"/>
           </a:xfrm>
           <a:prstGeom prst="rect">
             <a:avLst/>
@@ -3102,29 +3103,29 @@
       </p:pic>
       <p:pic>
         <p:nvPicPr>
-          <p:cNvPr id="19" name="Picture 18">
+          <p:cNvPr id="11" name="Picture 10">
             <a:extLst>
               <a:ext uri="{FF2B5EF4-FFF2-40B4-BE49-F238E27FC236}">
-                <a16:creationId xmlns:a16="http://schemas.microsoft.com/office/drawing/2014/main" id="{5C6AAE89-9FC8-8EA9-62BF-DC6C7CEF8AF5}"/>
+                <a16:creationId xmlns:a16="http://schemas.microsoft.com/office/drawing/2014/main" id="{AA8B92D8-43FA-B9E1-0BE7-352E1C90478A}"/>
               </a:ext>
             </a:extLst>
           </p:cNvPr>
           <p:cNvPicPr>
-            <a:picLocks/>
+            <a:picLocks noChangeAspect="1"/>
           </p:cNvPicPr>
           <p:nvPr/>
         </p:nvPicPr>
         <p:blipFill>
           <a:blip r:embed="rId4"/>
-          <a:srcRect l="14269" r="13609"/>
+          <a:srcRect l="12299" r="14141"/>
           <a:stretch>
             <a:fillRect/>
           </a:stretch>
         </p:blipFill>
         <p:spPr>
           <a:xfrm>
-            <a:off x="432666" y="323045"/>
-            <a:ext cx="2143309" cy="1993392"/>
+            <a:off x="3340584" y="352717"/>
+            <a:ext cx="2207230" cy="1984248"/>
           </a:xfrm>
           <a:prstGeom prst="rect">
             <a:avLst/>
@@ -3133,116 +3134,40 @@
       </p:pic>
       <p:pic>
         <p:nvPicPr>
-          <p:cNvPr id="21" name="Picture 20">
+          <p:cNvPr id="8" name="Picture 7">
             <a:extLst>
               <a:ext uri="{FF2B5EF4-FFF2-40B4-BE49-F238E27FC236}">
-                <a16:creationId xmlns:a16="http://schemas.microsoft.com/office/drawing/2014/main" id="{0A8D23DE-F53F-F71D-1992-B2C305DC4FB5}"/>
+                <a16:creationId xmlns:a16="http://schemas.microsoft.com/office/drawing/2014/main" id="{8A1CE2D5-385C-1240-5C9F-407369FF0E6D}"/>
               </a:ext>
             </a:extLst>
           </p:cNvPr>
           <p:cNvPicPr>
-            <a:picLocks/>
+            <a:picLocks noChangeAspect="1"/>
           </p:cNvPicPr>
           <p:nvPr/>
         </p:nvPicPr>
         <p:blipFill>
           <a:blip r:embed="rId5"/>
-          <a:srcRect l="12325" r="13253"/>
           <a:stretch>
             <a:fillRect/>
           </a:stretch>
         </p:blipFill>
         <p:spPr>
           <a:xfrm>
-            <a:off x="3339634" y="349060"/>
-            <a:ext cx="2211682" cy="1993392"/>
+            <a:off x="2957867" y="2625833"/>
+            <a:ext cx="3000571" cy="1984248"/>
           </a:xfrm>
           <a:prstGeom prst="rect">
             <a:avLst/>
           </a:prstGeom>
         </p:spPr>
       </p:pic>
-      <p:sp>
-        <p:nvSpPr>
-          <p:cNvPr id="99" name="TextBox 98">
-            <a:extLst>
-              <a:ext uri="{FF2B5EF4-FFF2-40B4-BE49-F238E27FC236}">
-                <a16:creationId xmlns:a16="http://schemas.microsoft.com/office/drawing/2014/main" id="{B5A9C819-1BDE-6DB4-9B5B-9855B9080D36}"/>
-              </a:ext>
-            </a:extLst>
-          </p:cNvPr>
-          <p:cNvSpPr txBox="1"/>
-          <p:nvPr/>
-        </p:nvSpPr>
-        <p:spPr>
-          <a:xfrm rot="16200000">
-            <a:off x="-874549" y="3387676"/>
-            <a:ext cx="1946885" cy="215444"/>
-          </a:xfrm>
-          <a:prstGeom prst="rect">
-            <a:avLst/>
-          </a:prstGeom>
-          <a:noFill/>
-        </p:spPr>
-        <p:txBody>
-          <a:bodyPr wrap="square" rtlCol="0">
-            <a:spAutoFit/>
-          </a:bodyPr>
-          <a:lstStyle/>
-          <a:p>
-            <a:r>
-              <a:rPr lang="en-US" sz="750" b="1" dirty="0"/>
-              <a:t>Normalized Cumulative Microplastic Load</a:t>
-            </a:r>
-            <a:endParaRPr lang="en-US" sz="750" b="1" baseline="30000" dirty="0"/>
-          </a:p>
-        </p:txBody>
-      </p:sp>
-      <p:sp>
-        <p:nvSpPr>
-          <p:cNvPr id="100" name="TextBox 99">
-            <a:extLst>
-              <a:ext uri="{FF2B5EF4-FFF2-40B4-BE49-F238E27FC236}">
-                <a16:creationId xmlns:a16="http://schemas.microsoft.com/office/drawing/2014/main" id="{5CE3D354-53AB-F2C8-D33E-2B0D2DB26552}"/>
-              </a:ext>
-            </a:extLst>
-          </p:cNvPr>
-          <p:cNvSpPr txBox="1"/>
-          <p:nvPr/>
-        </p:nvSpPr>
-        <p:spPr>
-          <a:xfrm rot="16200000">
-            <a:off x="-795301" y="1312556"/>
-            <a:ext cx="1802910" cy="215444"/>
-          </a:xfrm>
-          <a:prstGeom prst="rect">
-            <a:avLst/>
-          </a:prstGeom>
-          <a:noFill/>
-        </p:spPr>
-        <p:txBody>
-          <a:bodyPr wrap="square" rtlCol="0">
-            <a:spAutoFit/>
-          </a:bodyPr>
-          <a:lstStyle/>
-          <a:p>
-            <a:r>
-              <a:rPr lang="en-US" sz="800" b="1" dirty="0"/>
-              <a:t>Cumulative Microplastic Load [n] x10</a:t>
-            </a:r>
-            <a:r>
-              <a:rPr lang="en-US" sz="800" b="1" baseline="30000" dirty="0"/>
-              <a:t>9</a:t>
-            </a:r>
-          </a:p>
-        </p:txBody>
-      </p:sp>
       <p:grpSp>
         <p:nvGrpSpPr>
           <p:cNvPr id="118" name="Group 117">
             <a:extLst>
               <a:ext uri="{FF2B5EF4-FFF2-40B4-BE49-F238E27FC236}">
-                <a16:creationId xmlns:a16="http://schemas.microsoft.com/office/drawing/2014/main" id="{FEB3D48F-E929-D4DC-A171-5E4C16131651}"/>
+                <a16:creationId xmlns:a16="http://schemas.microsoft.com/office/drawing/2014/main" id="{B8131C1A-5351-9439-3A1B-9222AC84CB24}"/>
               </a:ext>
             </a:extLst>
           </p:cNvPr>
@@ -3252,9 +3177,9 @@
         <p:grpSpPr>
           <a:xfrm>
             <a:off x="206425" y="297215"/>
-            <a:ext cx="5759625" cy="5033599"/>
+            <a:ext cx="5759625" cy="4416730"/>
             <a:chOff x="201876" y="297215"/>
-            <a:chExt cx="5759625" cy="5033599"/>
+            <a:chExt cx="5759625" cy="4416730"/>
           </a:xfrm>
         </p:grpSpPr>
         <p:sp>
@@ -3262,7 +3187,7 @@
             <p:cNvPr id="2" name="TextBox 1">
               <a:extLst>
                 <a:ext uri="{FF2B5EF4-FFF2-40B4-BE49-F238E27FC236}">
-                  <a16:creationId xmlns:a16="http://schemas.microsoft.com/office/drawing/2014/main" id="{95732505-4DA2-5AB5-BB7B-B9A1102B498D}"/>
+                  <a16:creationId xmlns:a16="http://schemas.microsoft.com/office/drawing/2014/main" id="{504808B9-B969-8922-F7BB-0124EA9C3D3F}"/>
                 </a:ext>
               </a:extLst>
             </p:cNvPr>
@@ -3308,7 +3233,7 @@
             <p:cNvPr id="7" name="TextBox 6">
               <a:extLst>
                 <a:ext uri="{FF2B5EF4-FFF2-40B4-BE49-F238E27FC236}">
-                  <a16:creationId xmlns:a16="http://schemas.microsoft.com/office/drawing/2014/main" id="{0BBAD08A-22CC-37BC-78B3-1E2378F79A78}"/>
+                  <a16:creationId xmlns:a16="http://schemas.microsoft.com/office/drawing/2014/main" id="{2645F5FC-CE0D-D961-02B0-311563D1E6C4}"/>
                 </a:ext>
               </a:extLst>
             </p:cNvPr>
@@ -3343,7 +3268,7 @@
             <p:cNvPr id="12" name="Straight Arrow Connector 11">
               <a:extLst>
                 <a:ext uri="{FF2B5EF4-FFF2-40B4-BE49-F238E27FC236}">
-                  <a16:creationId xmlns:a16="http://schemas.microsoft.com/office/drawing/2014/main" id="{0EF2438E-C60D-9020-8D39-34C74DF5153D}"/>
+                  <a16:creationId xmlns:a16="http://schemas.microsoft.com/office/drawing/2014/main" id="{E80EBAE1-AA10-7C13-18F7-46262D2D01C3}"/>
                 </a:ext>
               </a:extLst>
             </p:cNvPr>
@@ -3387,7 +3312,7 @@
             <p:cNvPr id="15" name="TextBox 14">
               <a:extLst>
                 <a:ext uri="{FF2B5EF4-FFF2-40B4-BE49-F238E27FC236}">
-                  <a16:creationId xmlns:a16="http://schemas.microsoft.com/office/drawing/2014/main" id="{96ED1F2F-13A2-F4A1-591A-B457B52C3468}"/>
+                  <a16:creationId xmlns:a16="http://schemas.microsoft.com/office/drawing/2014/main" id="{EFB57987-D5DC-EB56-8493-E6499D60F2B5}"/>
                 </a:ext>
               </a:extLst>
             </p:cNvPr>
@@ -3422,7 +3347,7 @@
             <p:cNvPr id="16" name="Straight Arrow Connector 15">
               <a:extLst>
                 <a:ext uri="{FF2B5EF4-FFF2-40B4-BE49-F238E27FC236}">
-                  <a16:creationId xmlns:a16="http://schemas.microsoft.com/office/drawing/2014/main" id="{016A8F54-28BC-41D6-A69E-021C6364E6C6}"/>
+                  <a16:creationId xmlns:a16="http://schemas.microsoft.com/office/drawing/2014/main" id="{A88B63FD-F242-A3EC-45C2-37F2A44F5833}"/>
                 </a:ext>
               </a:extLst>
             </p:cNvPr>
@@ -3466,7 +3391,7 @@
             <p:cNvPr id="33" name="Straight Connector 32">
               <a:extLst>
                 <a:ext uri="{FF2B5EF4-FFF2-40B4-BE49-F238E27FC236}">
-                  <a16:creationId xmlns:a16="http://schemas.microsoft.com/office/drawing/2014/main" id="{4765A59A-D294-34FE-2CF1-4C45A7298D3E}"/>
+                  <a16:creationId xmlns:a16="http://schemas.microsoft.com/office/drawing/2014/main" id="{9F526D0D-DC9A-87DF-52DD-DC5E573C2742}"/>
                 </a:ext>
               </a:extLst>
             </p:cNvPr>
@@ -3512,7 +3437,7 @@
             <p:cNvPr id="34" name="TextBox 1">
               <a:extLst>
                 <a:ext uri="{FF2B5EF4-FFF2-40B4-BE49-F238E27FC236}">
-                  <a16:creationId xmlns:a16="http://schemas.microsoft.com/office/drawing/2014/main" id="{C338FC75-CE7E-0C47-F7D3-B884FB792317}"/>
+                  <a16:creationId xmlns:a16="http://schemas.microsoft.com/office/drawing/2014/main" id="{4DC0697C-E077-FBCD-CAA4-087C20570EA2}"/>
                 </a:ext>
               </a:extLst>
             </p:cNvPr>
@@ -3614,7 +3539,7 @@
             <p:cNvPr id="36" name="Straight Connector 35">
               <a:extLst>
                 <a:ext uri="{FF2B5EF4-FFF2-40B4-BE49-F238E27FC236}">
-                  <a16:creationId xmlns:a16="http://schemas.microsoft.com/office/drawing/2014/main" id="{45E630B7-ABD6-C93E-A9D1-40486BCB90E0}"/>
+                  <a16:creationId xmlns:a16="http://schemas.microsoft.com/office/drawing/2014/main" id="{CF177766-6D4F-7F0E-D15D-A38C97F96CF0}"/>
                 </a:ext>
               </a:extLst>
             </p:cNvPr>
@@ -3660,7 +3585,7 @@
             <p:cNvPr id="37" name="TextBox 1">
               <a:extLst>
                 <a:ext uri="{FF2B5EF4-FFF2-40B4-BE49-F238E27FC236}">
-                  <a16:creationId xmlns:a16="http://schemas.microsoft.com/office/drawing/2014/main" id="{F490E679-1A55-4FF9-F0C6-CDC3525EABBA}"/>
+                  <a16:creationId xmlns:a16="http://schemas.microsoft.com/office/drawing/2014/main" id="{AB4F7913-DCCA-3B3C-99D8-594E64AEB49C}"/>
                 </a:ext>
               </a:extLst>
             </p:cNvPr>
@@ -3757,7 +3682,7 @@
             <p:cNvPr id="39" name="Picture 38">
               <a:extLst>
                 <a:ext uri="{FF2B5EF4-FFF2-40B4-BE49-F238E27FC236}">
-                  <a16:creationId xmlns:a16="http://schemas.microsoft.com/office/drawing/2014/main" id="{F4640F1F-3051-64EC-2D50-927CD613E8A7}"/>
+                  <a16:creationId xmlns:a16="http://schemas.microsoft.com/office/drawing/2014/main" id="{F842888E-578A-3F19-9789-80E3900ED964}"/>
                 </a:ext>
               </a:extLst>
             </p:cNvPr>
@@ -3781,236 +3706,12 @@
             </a:prstGeom>
           </p:spPr>
         </p:pic>
-        <p:grpSp>
-          <p:nvGrpSpPr>
-            <p:cNvPr id="117" name="Group 116">
-              <a:extLst>
-                <a:ext uri="{FF2B5EF4-FFF2-40B4-BE49-F238E27FC236}">
-                  <a16:creationId xmlns:a16="http://schemas.microsoft.com/office/drawing/2014/main" id="{563C2CEC-FC65-6D42-15F5-D8FB7AC5739E}"/>
-                </a:ext>
-              </a:extLst>
-            </p:cNvPr>
-            <p:cNvGrpSpPr/>
-            <p:nvPr/>
-          </p:nvGrpSpPr>
-          <p:grpSpPr>
-            <a:xfrm>
-              <a:off x="474700" y="4779494"/>
-              <a:ext cx="5152173" cy="551320"/>
-              <a:chOff x="474700" y="4889739"/>
-              <a:chExt cx="5152173" cy="551320"/>
-            </a:xfrm>
-          </p:grpSpPr>
-          <p:pic>
-            <p:nvPicPr>
-              <p:cNvPr id="28" name="Picture 27">
-                <a:extLst>
-                  <a:ext uri="{FF2B5EF4-FFF2-40B4-BE49-F238E27FC236}">
-                    <a16:creationId xmlns:a16="http://schemas.microsoft.com/office/drawing/2014/main" id="{E30CAEC9-F8CA-1DBC-E270-F9ABAAC6D94B}"/>
-                  </a:ext>
-                </a:extLst>
-              </p:cNvPr>
-              <p:cNvPicPr>
-                <a:picLocks noChangeAspect="1"/>
-              </p:cNvPicPr>
-              <p:nvPr/>
-            </p:nvPicPr>
-            <p:blipFill rotWithShape="1">
-              <a:blip r:embed="rId7"/>
-              <a:srcRect l="2235" t="76921" r="75280" b="15527"/>
-              <a:stretch/>
-            </p:blipFill>
-            <p:spPr>
-              <a:xfrm>
-                <a:off x="2513939" y="5074266"/>
-                <a:ext cx="1184837" cy="198699"/>
-              </a:xfrm>
-              <a:prstGeom prst="rect">
-                <a:avLst/>
-              </a:prstGeom>
-            </p:spPr>
-          </p:pic>
-          <p:pic>
-            <p:nvPicPr>
-              <p:cNvPr id="29" name="Picture 28">
-                <a:extLst>
-                  <a:ext uri="{FF2B5EF4-FFF2-40B4-BE49-F238E27FC236}">
-                    <a16:creationId xmlns:a16="http://schemas.microsoft.com/office/drawing/2014/main" id="{F955426F-4D10-C9E9-01B8-3D9E1A5680B9}"/>
-                  </a:ext>
-                </a:extLst>
-              </p:cNvPr>
-              <p:cNvPicPr>
-                <a:picLocks noChangeAspect="1"/>
-              </p:cNvPicPr>
-              <p:nvPr/>
-            </p:nvPicPr>
-            <p:blipFill rotWithShape="1">
-              <a:blip r:embed="rId8"/>
-              <a:srcRect t="84193" r="72486" b="8814"/>
-              <a:stretch/>
-            </p:blipFill>
-            <p:spPr>
-              <a:xfrm>
-                <a:off x="4020465" y="4889739"/>
-                <a:ext cx="1441096" cy="182880"/>
-              </a:xfrm>
-              <a:prstGeom prst="rect">
-                <a:avLst/>
-              </a:prstGeom>
-            </p:spPr>
-          </p:pic>
-          <p:pic>
-            <p:nvPicPr>
-              <p:cNvPr id="40" name="Picture 39">
-                <a:extLst>
-                  <a:ext uri="{FF2B5EF4-FFF2-40B4-BE49-F238E27FC236}">
-                    <a16:creationId xmlns:a16="http://schemas.microsoft.com/office/drawing/2014/main" id="{D2052954-9D74-B741-EACD-F17CEFD0E10A}"/>
-                  </a:ext>
-                </a:extLst>
-              </p:cNvPr>
-              <p:cNvPicPr>
-                <a:picLocks noChangeAspect="1"/>
-              </p:cNvPicPr>
-              <p:nvPr/>
-            </p:nvPicPr>
-            <p:blipFill rotWithShape="1">
-              <a:blip r:embed="rId6"/>
-              <a:srcRect t="92864" r="71787" b="144"/>
-              <a:stretch/>
-            </p:blipFill>
-            <p:spPr>
-              <a:xfrm>
-                <a:off x="474700" y="5259995"/>
-                <a:ext cx="1463040" cy="181064"/>
-              </a:xfrm>
-              <a:prstGeom prst="rect">
-                <a:avLst/>
-              </a:prstGeom>
-            </p:spPr>
-          </p:pic>
-          <p:pic>
-            <p:nvPicPr>
-              <p:cNvPr id="41" name="Picture 40">
-                <a:extLst>
-                  <a:ext uri="{FF2B5EF4-FFF2-40B4-BE49-F238E27FC236}">
-                    <a16:creationId xmlns:a16="http://schemas.microsoft.com/office/drawing/2014/main" id="{AE40D910-13F9-41B2-F902-9A7910A599CD}"/>
-                  </a:ext>
-                </a:extLst>
-              </p:cNvPr>
-              <p:cNvPicPr>
-                <a:picLocks noChangeAspect="1"/>
-              </p:cNvPicPr>
-              <p:nvPr/>
-            </p:nvPicPr>
-            <p:blipFill rotWithShape="1">
-              <a:blip r:embed="rId9"/>
-              <a:srcRect l="35335" t="78320" r="37011" b="15807"/>
-              <a:stretch/>
-            </p:blipFill>
-            <p:spPr>
-              <a:xfrm>
-                <a:off x="2500969" y="4945030"/>
-                <a:ext cx="1463040" cy="155176"/>
-              </a:xfrm>
-              <a:prstGeom prst="rect">
-                <a:avLst/>
-              </a:prstGeom>
-            </p:spPr>
-          </p:pic>
-          <p:pic>
-            <p:nvPicPr>
-              <p:cNvPr id="42" name="Picture 41">
-                <a:extLst>
-                  <a:ext uri="{FF2B5EF4-FFF2-40B4-BE49-F238E27FC236}">
-                    <a16:creationId xmlns:a16="http://schemas.microsoft.com/office/drawing/2014/main" id="{BB74B2E7-A119-2E11-ACD4-894D1EE8A90A}"/>
-                  </a:ext>
-                </a:extLst>
-              </p:cNvPr>
-              <p:cNvPicPr>
-                <a:picLocks noChangeAspect="1"/>
-              </p:cNvPicPr>
-              <p:nvPr/>
-            </p:nvPicPr>
-            <p:blipFill rotWithShape="1">
-              <a:blip r:embed="rId10"/>
-              <a:srcRect l="35335" t="83354" r="34497" b="7138"/>
-              <a:stretch/>
-            </p:blipFill>
-            <p:spPr>
-              <a:xfrm>
-                <a:off x="596696" y="4890466"/>
-                <a:ext cx="1554480" cy="244690"/>
-              </a:xfrm>
-              <a:prstGeom prst="rect">
-                <a:avLst/>
-              </a:prstGeom>
-            </p:spPr>
-          </p:pic>
-          <p:pic>
-            <p:nvPicPr>
-              <p:cNvPr id="43" name="Picture 42">
-                <a:extLst>
-                  <a:ext uri="{FF2B5EF4-FFF2-40B4-BE49-F238E27FC236}">
-                    <a16:creationId xmlns:a16="http://schemas.microsoft.com/office/drawing/2014/main" id="{6D5B7A03-D9B8-33F1-D97A-5D126A0F71B1}"/>
-                  </a:ext>
-                </a:extLst>
-              </p:cNvPr>
-              <p:cNvPicPr>
-                <a:picLocks noChangeAspect="1"/>
-              </p:cNvPicPr>
-              <p:nvPr/>
-            </p:nvPicPr>
-            <p:blipFill rotWithShape="1">
-              <a:blip r:embed="rId11"/>
-              <a:srcRect l="69413" t="76361" r="2653" b="18310"/>
-              <a:stretch/>
-            </p:blipFill>
-            <p:spPr>
-              <a:xfrm>
-                <a:off x="637654" y="5070372"/>
-                <a:ext cx="1371600" cy="130683"/>
-              </a:xfrm>
-              <a:prstGeom prst="rect">
-                <a:avLst/>
-              </a:prstGeom>
-            </p:spPr>
-          </p:pic>
-          <p:pic>
-            <p:nvPicPr>
-              <p:cNvPr id="44" name="Picture 43">
-                <a:extLst>
-                  <a:ext uri="{FF2B5EF4-FFF2-40B4-BE49-F238E27FC236}">
-                    <a16:creationId xmlns:a16="http://schemas.microsoft.com/office/drawing/2014/main" id="{93CADED1-FA3A-6BBD-2B7D-93AE28BB0A28}"/>
-                  </a:ext>
-                </a:extLst>
-              </p:cNvPr>
-              <p:cNvPicPr>
-                <a:picLocks noChangeAspect="1"/>
-              </p:cNvPicPr>
-              <p:nvPr/>
-            </p:nvPicPr>
-            <p:blipFill rotWithShape="1">
-              <a:blip r:embed="rId12"/>
-              <a:srcRect l="69413" t="85032" r="2653" b="7419"/>
-              <a:stretch/>
-            </p:blipFill>
-            <p:spPr>
-              <a:xfrm>
-                <a:off x="4163833" y="5050916"/>
-                <a:ext cx="1463040" cy="197469"/>
-              </a:xfrm>
-              <a:prstGeom prst="rect">
-                <a:avLst/>
-              </a:prstGeom>
-            </p:spPr>
-          </p:pic>
-        </p:grpSp>
         <p:sp>
           <p:nvSpPr>
             <p:cNvPr id="48" name="TextBox 1">
               <a:extLst>
                 <a:ext uri="{FF2B5EF4-FFF2-40B4-BE49-F238E27FC236}">
-                  <a16:creationId xmlns:a16="http://schemas.microsoft.com/office/drawing/2014/main" id="{5EEEA843-A105-56A9-D596-F6F7C02EF84E}"/>
+                  <a16:creationId xmlns:a16="http://schemas.microsoft.com/office/drawing/2014/main" id="{F8242B5A-3EDE-F129-4C3C-36DF07DF6533}"/>
                 </a:ext>
               </a:extLst>
             </p:cNvPr>
@@ -4128,7 +3829,7 @@
             <p:cNvPr id="49" name="Straight Connector 48">
               <a:extLst>
                 <a:ext uri="{FF2B5EF4-FFF2-40B4-BE49-F238E27FC236}">
-                  <a16:creationId xmlns:a16="http://schemas.microsoft.com/office/drawing/2014/main" id="{FBD58FF2-2361-E14F-C2CC-8675EBEBFA2C}"/>
+                  <a16:creationId xmlns:a16="http://schemas.microsoft.com/office/drawing/2014/main" id="{A213CF8B-2BC3-B1F2-1B8B-F971FCC2931E}"/>
                 </a:ext>
               </a:extLst>
             </p:cNvPr>
@@ -4174,7 +3875,7 @@
             <p:cNvPr id="54" name="TextBox 1">
               <a:extLst>
                 <a:ext uri="{FF2B5EF4-FFF2-40B4-BE49-F238E27FC236}">
-                  <a16:creationId xmlns:a16="http://schemas.microsoft.com/office/drawing/2014/main" id="{73D4145C-DA68-637F-248E-472ED5513D9F}"/>
+                  <a16:creationId xmlns:a16="http://schemas.microsoft.com/office/drawing/2014/main" id="{3A50ED95-52F3-2514-B8B7-05E42066F6AF}"/>
                 </a:ext>
               </a:extLst>
             </p:cNvPr>
@@ -4271,7 +3972,7 @@
             <p:cNvPr id="55" name="Straight Connector 54">
               <a:extLst>
                 <a:ext uri="{FF2B5EF4-FFF2-40B4-BE49-F238E27FC236}">
-                  <a16:creationId xmlns:a16="http://schemas.microsoft.com/office/drawing/2014/main" id="{45437158-9B6F-1801-0137-5463F627C0CA}"/>
+                  <a16:creationId xmlns:a16="http://schemas.microsoft.com/office/drawing/2014/main" id="{CD8E5A71-F5CB-98E9-CFCB-0E6028312E84}"/>
                 </a:ext>
               </a:extLst>
             </p:cNvPr>
@@ -4317,7 +4018,7 @@
             <p:cNvPr id="56" name="TextBox 1">
               <a:extLst>
                 <a:ext uri="{FF2B5EF4-FFF2-40B4-BE49-F238E27FC236}">
-                  <a16:creationId xmlns:a16="http://schemas.microsoft.com/office/drawing/2014/main" id="{C7ABF8FB-0D1A-C46E-F0BD-49E3DB8F045E}"/>
+                  <a16:creationId xmlns:a16="http://schemas.microsoft.com/office/drawing/2014/main" id="{81754266-B476-CCC7-A80E-AB951F2513D9}"/>
                 </a:ext>
               </a:extLst>
             </p:cNvPr>
@@ -4414,7 +4115,7 @@
             <p:cNvPr id="58" name="Straight Connector 57">
               <a:extLst>
                 <a:ext uri="{FF2B5EF4-FFF2-40B4-BE49-F238E27FC236}">
-                  <a16:creationId xmlns:a16="http://schemas.microsoft.com/office/drawing/2014/main" id="{FDD34B92-0851-26E6-E409-136B6D970DF5}"/>
+                  <a16:creationId xmlns:a16="http://schemas.microsoft.com/office/drawing/2014/main" id="{CCF14927-BC0E-D996-3E74-B540603F86BD}"/>
                 </a:ext>
               </a:extLst>
             </p:cNvPr>
@@ -4460,7 +4161,7 @@
             <p:cNvPr id="59" name="TextBox 1">
               <a:extLst>
                 <a:ext uri="{FF2B5EF4-FFF2-40B4-BE49-F238E27FC236}">
-                  <a16:creationId xmlns:a16="http://schemas.microsoft.com/office/drawing/2014/main" id="{91E1127D-C018-A2C3-7C6A-250FC7E18314}"/>
+                  <a16:creationId xmlns:a16="http://schemas.microsoft.com/office/drawing/2014/main" id="{DC3DF138-B2C7-F6CE-C813-E499AF3EC5C8}"/>
                 </a:ext>
               </a:extLst>
             </p:cNvPr>
@@ -4562,7 +4263,7 @@
             <p:cNvPr id="60" name="Straight Connector 59">
               <a:extLst>
                 <a:ext uri="{FF2B5EF4-FFF2-40B4-BE49-F238E27FC236}">
-                  <a16:creationId xmlns:a16="http://schemas.microsoft.com/office/drawing/2014/main" id="{7210D094-FE15-965E-5277-7FF9769C01D3}"/>
+                  <a16:creationId xmlns:a16="http://schemas.microsoft.com/office/drawing/2014/main" id="{26D0BA7E-6805-15C2-B21E-794331D8D37C}"/>
                 </a:ext>
               </a:extLst>
             </p:cNvPr>
@@ -4608,7 +4309,7 @@
             <p:cNvPr id="61" name="TextBox 1">
               <a:extLst>
                 <a:ext uri="{FF2B5EF4-FFF2-40B4-BE49-F238E27FC236}">
-                  <a16:creationId xmlns:a16="http://schemas.microsoft.com/office/drawing/2014/main" id="{A3B59BC6-9D4A-2CAA-E53A-4594B392525A}"/>
+                  <a16:creationId xmlns:a16="http://schemas.microsoft.com/office/drawing/2014/main" id="{3FC70B51-CA8A-97C9-9A65-9423A200D519}"/>
                 </a:ext>
               </a:extLst>
             </p:cNvPr>
@@ -4705,7 +4406,7 @@
             <p:cNvPr id="63" name="TextBox 62">
               <a:extLst>
                 <a:ext uri="{FF2B5EF4-FFF2-40B4-BE49-F238E27FC236}">
-                  <a16:creationId xmlns:a16="http://schemas.microsoft.com/office/drawing/2014/main" id="{B300DD92-B253-3207-F17B-5F6BC9A9253D}"/>
+                  <a16:creationId xmlns:a16="http://schemas.microsoft.com/office/drawing/2014/main" id="{ABC85B57-47AE-6022-F75A-50B9F1CC5159}"/>
                 </a:ext>
               </a:extLst>
             </p:cNvPr>
@@ -4714,7 +4415,7 @@
           </p:nvSpPr>
           <p:spPr>
             <a:xfrm>
-              <a:off x="5436064" y="518823"/>
+              <a:off x="5446738" y="518823"/>
               <a:ext cx="311972" cy="200055"/>
             </a:xfrm>
             <a:prstGeom prst="rect">
@@ -4740,7 +4441,7 @@
             <p:cNvPr id="64" name="TextBox 63">
               <a:extLst>
                 <a:ext uri="{FF2B5EF4-FFF2-40B4-BE49-F238E27FC236}">
-                  <a16:creationId xmlns:a16="http://schemas.microsoft.com/office/drawing/2014/main" id="{3C1CBA47-5506-EE9E-DD25-1B9D6E66C0EA}"/>
+                  <a16:creationId xmlns:a16="http://schemas.microsoft.com/office/drawing/2014/main" id="{B71544E7-364F-EA68-ED27-B159294094E0}"/>
                 </a:ext>
               </a:extLst>
             </p:cNvPr>
@@ -4787,7 +4488,7 @@
             <p:cNvPr id="70" name="TextBox 69">
               <a:extLst>
                 <a:ext uri="{FF2B5EF4-FFF2-40B4-BE49-F238E27FC236}">
-                  <a16:creationId xmlns:a16="http://schemas.microsoft.com/office/drawing/2014/main" id="{65E148F7-0AB1-596E-BA04-BF70DA96F5C7}"/>
+                  <a16:creationId xmlns:a16="http://schemas.microsoft.com/office/drawing/2014/main" id="{D3608149-1655-CC7A-0F64-69F3C1FA82E3}"/>
                 </a:ext>
               </a:extLst>
             </p:cNvPr>
@@ -4823,7 +4524,7 @@
             <p:cNvPr id="71" name="TextBox 70">
               <a:extLst>
                 <a:ext uri="{FF2B5EF4-FFF2-40B4-BE49-F238E27FC236}">
-                  <a16:creationId xmlns:a16="http://schemas.microsoft.com/office/drawing/2014/main" id="{5FE2E2BC-E37A-A5BF-DFFF-E77F716A069B}"/>
+                  <a16:creationId xmlns:a16="http://schemas.microsoft.com/office/drawing/2014/main" id="{4C23FC3C-F72D-9456-7BCD-42ED7BFA0BB4}"/>
                 </a:ext>
               </a:extLst>
             </p:cNvPr>
@@ -4858,7 +4559,7 @@
             <p:cNvPr id="73" name="TextBox 72">
               <a:extLst>
                 <a:ext uri="{FF2B5EF4-FFF2-40B4-BE49-F238E27FC236}">
-                  <a16:creationId xmlns:a16="http://schemas.microsoft.com/office/drawing/2014/main" id="{DC108B62-79DD-F98A-CAE8-578DD674F736}"/>
+                  <a16:creationId xmlns:a16="http://schemas.microsoft.com/office/drawing/2014/main" id="{71FB0FA9-571A-D845-50FD-59DED7995AC8}"/>
                 </a:ext>
               </a:extLst>
             </p:cNvPr>
@@ -4867,7 +4568,7 @@
           </p:nvSpPr>
           <p:spPr>
             <a:xfrm>
-              <a:off x="5436352" y="725283"/>
+              <a:off x="5447026" y="725283"/>
               <a:ext cx="311972" cy="200055"/>
             </a:xfrm>
             <a:prstGeom prst="rect">
@@ -4893,7 +4594,7 @@
             <p:cNvPr id="74" name="TextBox 73">
               <a:extLst>
                 <a:ext uri="{FF2B5EF4-FFF2-40B4-BE49-F238E27FC236}">
-                  <a16:creationId xmlns:a16="http://schemas.microsoft.com/office/drawing/2014/main" id="{720A12E2-AB8D-77F0-5BB5-FC07A1184444}"/>
+                  <a16:creationId xmlns:a16="http://schemas.microsoft.com/office/drawing/2014/main" id="{201FB50E-6E89-C8C4-FC8C-78450F86CC77}"/>
                 </a:ext>
               </a:extLst>
             </p:cNvPr>
@@ -4902,7 +4603,7 @@
           </p:nvSpPr>
           <p:spPr>
             <a:xfrm>
-              <a:off x="5440979" y="932480"/>
+              <a:off x="5451653" y="932480"/>
               <a:ext cx="311972" cy="200055"/>
             </a:xfrm>
             <a:prstGeom prst="rect">
@@ -4928,7 +4629,7 @@
             <p:cNvPr id="75" name="TextBox 74">
               <a:extLst>
                 <a:ext uri="{FF2B5EF4-FFF2-40B4-BE49-F238E27FC236}">
-                  <a16:creationId xmlns:a16="http://schemas.microsoft.com/office/drawing/2014/main" id="{476A716F-AD88-9FD9-13A6-661D98AEECDE}"/>
+                  <a16:creationId xmlns:a16="http://schemas.microsoft.com/office/drawing/2014/main" id="{548A1717-DBE2-CA03-6474-8BFC213EE682}"/>
                 </a:ext>
               </a:extLst>
             </p:cNvPr>
@@ -4937,7 +4638,7 @@
           </p:nvSpPr>
           <p:spPr>
             <a:xfrm>
-              <a:off x="5440979" y="1143174"/>
+              <a:off x="5448095" y="1143174"/>
               <a:ext cx="311972" cy="200055"/>
             </a:xfrm>
             <a:prstGeom prst="rect">
@@ -4963,7 +4664,7 @@
             <p:cNvPr id="76" name="TextBox 75">
               <a:extLst>
                 <a:ext uri="{FF2B5EF4-FFF2-40B4-BE49-F238E27FC236}">
-                  <a16:creationId xmlns:a16="http://schemas.microsoft.com/office/drawing/2014/main" id="{1C0091FB-86A1-251F-05B7-FE92193428E7}"/>
+                  <a16:creationId xmlns:a16="http://schemas.microsoft.com/office/drawing/2014/main" id="{4E88F8A1-2042-BD76-875D-557564837E0D}"/>
                 </a:ext>
               </a:extLst>
             </p:cNvPr>
@@ -4972,7 +4673,7 @@
           </p:nvSpPr>
           <p:spPr>
             <a:xfrm>
-              <a:off x="5437466" y="1350356"/>
+              <a:off x="5448140" y="1350356"/>
               <a:ext cx="311972" cy="200055"/>
             </a:xfrm>
             <a:prstGeom prst="rect">
@@ -4998,7 +4699,7 @@
             <p:cNvPr id="77" name="TextBox 76">
               <a:extLst>
                 <a:ext uri="{FF2B5EF4-FFF2-40B4-BE49-F238E27FC236}">
-                  <a16:creationId xmlns:a16="http://schemas.microsoft.com/office/drawing/2014/main" id="{E7D761CC-B4E9-CACC-8D9F-CDA699458FDF}"/>
+                  <a16:creationId xmlns:a16="http://schemas.microsoft.com/office/drawing/2014/main" id="{829305FF-FBC0-7B0E-38A0-F1645952BED5}"/>
                 </a:ext>
               </a:extLst>
             </p:cNvPr>
@@ -5007,7 +4708,7 @@
           </p:nvSpPr>
           <p:spPr>
             <a:xfrm>
-              <a:off x="5440979" y="1556129"/>
+              <a:off x="5448095" y="1556129"/>
               <a:ext cx="311972" cy="200055"/>
             </a:xfrm>
             <a:prstGeom prst="rect">
@@ -5033,7 +4734,7 @@
             <p:cNvPr id="79" name="TextBox 78">
               <a:extLst>
                 <a:ext uri="{FF2B5EF4-FFF2-40B4-BE49-F238E27FC236}">
-                  <a16:creationId xmlns:a16="http://schemas.microsoft.com/office/drawing/2014/main" id="{7476F1FC-45CE-D384-DEFF-8BA80A086E3D}"/>
+                  <a16:creationId xmlns:a16="http://schemas.microsoft.com/office/drawing/2014/main" id="{F7D3EC6D-AC6C-6037-1C0D-E366AA1FA19D}"/>
                 </a:ext>
               </a:extLst>
             </p:cNvPr>
@@ -5042,7 +4743,7 @@
           </p:nvSpPr>
           <p:spPr>
             <a:xfrm>
-              <a:off x="5441681" y="1754883"/>
+              <a:off x="5448797" y="1754883"/>
               <a:ext cx="311972" cy="200055"/>
             </a:xfrm>
             <a:prstGeom prst="rect">
@@ -5068,7 +4769,7 @@
             <p:cNvPr id="80" name="TextBox 79">
               <a:extLst>
                 <a:ext uri="{FF2B5EF4-FFF2-40B4-BE49-F238E27FC236}">
-                  <a16:creationId xmlns:a16="http://schemas.microsoft.com/office/drawing/2014/main" id="{C8D920C9-C093-E7CB-8AB1-7D9EACF640D2}"/>
+                  <a16:creationId xmlns:a16="http://schemas.microsoft.com/office/drawing/2014/main" id="{5B8D60E5-7BDB-3933-C68A-9F9D94AEDE2C}"/>
                 </a:ext>
               </a:extLst>
             </p:cNvPr>
@@ -5077,7 +4778,7 @@
           </p:nvSpPr>
           <p:spPr>
             <a:xfrm>
-              <a:off x="5437466" y="1961360"/>
+              <a:off x="5448140" y="1961360"/>
               <a:ext cx="311972" cy="200055"/>
             </a:xfrm>
             <a:prstGeom prst="rect">
@@ -5103,7 +4804,7 @@
             <p:cNvPr id="81" name="TextBox 80">
               <a:extLst>
                 <a:ext uri="{FF2B5EF4-FFF2-40B4-BE49-F238E27FC236}">
-                  <a16:creationId xmlns:a16="http://schemas.microsoft.com/office/drawing/2014/main" id="{A9F325C9-9687-7106-B10C-739289A2F730}"/>
+                  <a16:creationId xmlns:a16="http://schemas.microsoft.com/office/drawing/2014/main" id="{ECD8ADE3-E804-17C1-C3D5-CD9B17E04782}"/>
                 </a:ext>
               </a:extLst>
             </p:cNvPr>
@@ -5112,7 +4813,7 @@
           </p:nvSpPr>
           <p:spPr>
             <a:xfrm>
-              <a:off x="5441683" y="2159410"/>
+              <a:off x="5448799" y="2159410"/>
               <a:ext cx="311972" cy="200055"/>
             </a:xfrm>
             <a:prstGeom prst="rect">
@@ -5138,7 +4839,7 @@
             <p:cNvPr id="82" name="TextBox 81">
               <a:extLst>
                 <a:ext uri="{FF2B5EF4-FFF2-40B4-BE49-F238E27FC236}">
-                  <a16:creationId xmlns:a16="http://schemas.microsoft.com/office/drawing/2014/main" id="{D6B9C71B-114A-8030-52AB-EF160EFA1992}"/>
+                  <a16:creationId xmlns:a16="http://schemas.microsoft.com/office/drawing/2014/main" id="{5684FF6A-2B82-2138-1E0E-53D9BA432C37}"/>
                 </a:ext>
               </a:extLst>
             </p:cNvPr>
@@ -5173,7 +4874,7 @@
             <p:cNvPr id="83" name="TextBox 82">
               <a:extLst>
                 <a:ext uri="{FF2B5EF4-FFF2-40B4-BE49-F238E27FC236}">
-                  <a16:creationId xmlns:a16="http://schemas.microsoft.com/office/drawing/2014/main" id="{93BC4F35-7C73-F0ED-F136-04BE00A73B94}"/>
+                  <a16:creationId xmlns:a16="http://schemas.microsoft.com/office/drawing/2014/main" id="{E0B8ED75-45DE-BBBE-B1D2-33E13CEC18CC}"/>
                 </a:ext>
               </a:extLst>
             </p:cNvPr>
@@ -5208,7 +4909,7 @@
             <p:cNvPr id="84" name="TextBox 83">
               <a:extLst>
                 <a:ext uri="{FF2B5EF4-FFF2-40B4-BE49-F238E27FC236}">
-                  <a16:creationId xmlns:a16="http://schemas.microsoft.com/office/drawing/2014/main" id="{D21841F9-5CBE-D924-ECB1-FE95AD1260BA}"/>
+                  <a16:creationId xmlns:a16="http://schemas.microsoft.com/office/drawing/2014/main" id="{3DB51DBC-1E5A-406D-4D94-023969A9FF44}"/>
                 </a:ext>
               </a:extLst>
             </p:cNvPr>
@@ -5243,7 +4944,7 @@
             <p:cNvPr id="85" name="TextBox 84">
               <a:extLst>
                 <a:ext uri="{FF2B5EF4-FFF2-40B4-BE49-F238E27FC236}">
-                  <a16:creationId xmlns:a16="http://schemas.microsoft.com/office/drawing/2014/main" id="{BB388D58-458E-AAE7-2063-65B515A3C2D7}"/>
+                  <a16:creationId xmlns:a16="http://schemas.microsoft.com/office/drawing/2014/main" id="{9D64EC6A-B9DA-9AB5-49C5-C424F075F7B5}"/>
                 </a:ext>
               </a:extLst>
             </p:cNvPr>
@@ -5278,7 +4979,7 @@
             <p:cNvPr id="86" name="TextBox 85">
               <a:extLst>
                 <a:ext uri="{FF2B5EF4-FFF2-40B4-BE49-F238E27FC236}">
-                  <a16:creationId xmlns:a16="http://schemas.microsoft.com/office/drawing/2014/main" id="{ACDA6B66-6FF6-ABE3-B3DC-F787BD1BCBBA}"/>
+                  <a16:creationId xmlns:a16="http://schemas.microsoft.com/office/drawing/2014/main" id="{468BED7C-87E5-F1D2-763A-C806D2A71B0D}"/>
                 </a:ext>
               </a:extLst>
             </p:cNvPr>
@@ -5313,7 +5014,7 @@
             <p:cNvPr id="87" name="TextBox 86">
               <a:extLst>
                 <a:ext uri="{FF2B5EF4-FFF2-40B4-BE49-F238E27FC236}">
-                  <a16:creationId xmlns:a16="http://schemas.microsoft.com/office/drawing/2014/main" id="{E1419591-57B9-DE9B-5C90-85C00815E5ED}"/>
+                  <a16:creationId xmlns:a16="http://schemas.microsoft.com/office/drawing/2014/main" id="{52FFCBBF-2604-BB1F-6CFD-94CEAB88D3D4}"/>
                 </a:ext>
               </a:extLst>
             </p:cNvPr>
@@ -5348,7 +5049,7 @@
             <p:cNvPr id="88" name="TextBox 87">
               <a:extLst>
                 <a:ext uri="{FF2B5EF4-FFF2-40B4-BE49-F238E27FC236}">
-                  <a16:creationId xmlns:a16="http://schemas.microsoft.com/office/drawing/2014/main" id="{6246A729-446B-153D-71C3-9F1E4CF130A0}"/>
+                  <a16:creationId xmlns:a16="http://schemas.microsoft.com/office/drawing/2014/main" id="{E57B4461-8B28-0F96-C481-B9106BDCA976}"/>
                 </a:ext>
               </a:extLst>
             </p:cNvPr>
@@ -5383,7 +5084,7 @@
             <p:cNvPr id="89" name="TextBox 88">
               <a:extLst>
                 <a:ext uri="{FF2B5EF4-FFF2-40B4-BE49-F238E27FC236}">
-                  <a16:creationId xmlns:a16="http://schemas.microsoft.com/office/drawing/2014/main" id="{FDAFF0E6-10AA-DECA-A382-6FA49FA2E533}"/>
+                  <a16:creationId xmlns:a16="http://schemas.microsoft.com/office/drawing/2014/main" id="{D3D328EE-3226-7E76-4F83-96B61711FE2E}"/>
                 </a:ext>
               </a:extLst>
             </p:cNvPr>
@@ -5418,7 +5119,7 @@
             <p:cNvPr id="90" name="TextBox 89">
               <a:extLst>
                 <a:ext uri="{FF2B5EF4-FFF2-40B4-BE49-F238E27FC236}">
-                  <a16:creationId xmlns:a16="http://schemas.microsoft.com/office/drawing/2014/main" id="{C03BFCB1-5010-8AF2-B7FC-8639512BE2AB}"/>
+                  <a16:creationId xmlns:a16="http://schemas.microsoft.com/office/drawing/2014/main" id="{3E866C1E-4095-5CDB-E8D6-C1EB9A05098A}"/>
                 </a:ext>
               </a:extLst>
             </p:cNvPr>
@@ -5453,7 +5154,7 @@
             <p:cNvPr id="91" name="TextBox 90">
               <a:extLst>
                 <a:ext uri="{FF2B5EF4-FFF2-40B4-BE49-F238E27FC236}">
-                  <a16:creationId xmlns:a16="http://schemas.microsoft.com/office/drawing/2014/main" id="{B95BCDD9-BEEF-4A27-0370-7F4290C68D77}"/>
+                  <a16:creationId xmlns:a16="http://schemas.microsoft.com/office/drawing/2014/main" id="{2AF6771E-EA3D-9024-77F2-5A44EA9032E8}"/>
                 </a:ext>
               </a:extLst>
             </p:cNvPr>
@@ -5488,7 +5189,7 @@
             <p:cNvPr id="92" name="TextBox 91">
               <a:extLst>
                 <a:ext uri="{FF2B5EF4-FFF2-40B4-BE49-F238E27FC236}">
-                  <a16:creationId xmlns:a16="http://schemas.microsoft.com/office/drawing/2014/main" id="{23CFC2F8-EFFA-A1C8-FEAB-7A137B659B6C}"/>
+                  <a16:creationId xmlns:a16="http://schemas.microsoft.com/office/drawing/2014/main" id="{34594858-E920-D467-5B2D-813271FB2A0E}"/>
                 </a:ext>
               </a:extLst>
             </p:cNvPr>
@@ -5523,7 +5224,7 @@
             <p:cNvPr id="93" name="TextBox 92">
               <a:extLst>
                 <a:ext uri="{FF2B5EF4-FFF2-40B4-BE49-F238E27FC236}">
-                  <a16:creationId xmlns:a16="http://schemas.microsoft.com/office/drawing/2014/main" id="{9D3913D6-2769-5322-4F5C-9894F0F869B4}"/>
+                  <a16:creationId xmlns:a16="http://schemas.microsoft.com/office/drawing/2014/main" id="{A07ABCA9-1D56-731B-AF3D-3D9029888CAF}"/>
                 </a:ext>
               </a:extLst>
             </p:cNvPr>
@@ -5532,7 +5233,7 @@
           </p:nvSpPr>
           <p:spPr>
             <a:xfrm rot="16200000">
-              <a:off x="2239408" y="3454900"/>
+              <a:off x="2225554" y="3454900"/>
               <a:ext cx="1318369" cy="215444"/>
             </a:xfrm>
             <a:prstGeom prst="rect">
@@ -5559,7 +5260,7 @@
             <p:cNvPr id="94" name="TextBox 93">
               <a:extLst>
                 <a:ext uri="{FF2B5EF4-FFF2-40B4-BE49-F238E27FC236}">
-                  <a16:creationId xmlns:a16="http://schemas.microsoft.com/office/drawing/2014/main" id="{A8C66333-C661-6287-7523-F25EC47C42AC}"/>
+                  <a16:creationId xmlns:a16="http://schemas.microsoft.com/office/drawing/2014/main" id="{0244DD29-A477-4D40-6F32-ACBE3EA6312F}"/>
                 </a:ext>
               </a:extLst>
             </p:cNvPr>
@@ -5568,7 +5269,7 @@
           </p:nvSpPr>
           <p:spPr>
             <a:xfrm rot="16200000">
-              <a:off x="2040466" y="1302539"/>
+              <a:off x="2026612" y="1302539"/>
               <a:ext cx="1655961" cy="215444"/>
             </a:xfrm>
             <a:prstGeom prst="rect">
@@ -5606,7 +5307,7 @@
             <p:cNvPr id="95" name="TextBox 1">
               <a:extLst>
                 <a:ext uri="{FF2B5EF4-FFF2-40B4-BE49-F238E27FC236}">
-                  <a16:creationId xmlns:a16="http://schemas.microsoft.com/office/drawing/2014/main" id="{4523E577-7CEC-8A8A-5334-16729CE5D503}"/>
+                  <a16:creationId xmlns:a16="http://schemas.microsoft.com/office/drawing/2014/main" id="{2BC6D7BB-00FA-7355-AD24-FB4CFD6A93FF}"/>
                 </a:ext>
               </a:extLst>
             </p:cNvPr>
@@ -5724,7 +5425,7 @@
             <p:cNvPr id="96" name="TextBox 1">
               <a:extLst>
                 <a:ext uri="{FF2B5EF4-FFF2-40B4-BE49-F238E27FC236}">
-                  <a16:creationId xmlns:a16="http://schemas.microsoft.com/office/drawing/2014/main" id="{48BC8581-B389-8A01-8E94-39DD8CFF652E}"/>
+                  <a16:creationId xmlns:a16="http://schemas.microsoft.com/office/drawing/2014/main" id="{D11C9F4D-F2D7-5883-741F-610E4A4FC3A7}"/>
                 </a:ext>
               </a:extLst>
             </p:cNvPr>
@@ -5842,7 +5543,7 @@
             <p:cNvPr id="97" name="TextBox 1">
               <a:extLst>
                 <a:ext uri="{FF2B5EF4-FFF2-40B4-BE49-F238E27FC236}">
-                  <a16:creationId xmlns:a16="http://schemas.microsoft.com/office/drawing/2014/main" id="{2774BBDE-3139-BACB-57CA-CCFABA03F3D5}"/>
+                  <a16:creationId xmlns:a16="http://schemas.microsoft.com/office/drawing/2014/main" id="{64D5EFAF-545B-9AC9-6DBB-625966D14D9A}"/>
                 </a:ext>
               </a:extLst>
             </p:cNvPr>
@@ -5960,7 +5661,7 @@
             <p:cNvPr id="98" name="TextBox 97">
               <a:extLst>
                 <a:ext uri="{FF2B5EF4-FFF2-40B4-BE49-F238E27FC236}">
-                  <a16:creationId xmlns:a16="http://schemas.microsoft.com/office/drawing/2014/main" id="{40F87B07-F64B-ECFC-845D-9F544318730B}"/>
+                  <a16:creationId xmlns:a16="http://schemas.microsoft.com/office/drawing/2014/main" id="{2E272C75-53DE-EB68-AB6A-4FBC9D6155DF}"/>
                 </a:ext>
               </a:extLst>
             </p:cNvPr>
@@ -5996,7 +5697,7 @@
             <p:cNvPr id="101" name="TextBox 100">
               <a:extLst>
                 <a:ext uri="{FF2B5EF4-FFF2-40B4-BE49-F238E27FC236}">
-                  <a16:creationId xmlns:a16="http://schemas.microsoft.com/office/drawing/2014/main" id="{17670DEF-7C9F-5E09-3005-ED9332AD0338}"/>
+                  <a16:creationId xmlns:a16="http://schemas.microsoft.com/office/drawing/2014/main" id="{61E0807C-7AEA-8116-6015-A921561908E1}"/>
                 </a:ext>
               </a:extLst>
             </p:cNvPr>
@@ -6031,7 +5732,7 @@
             <p:cNvPr id="102" name="TextBox 101">
               <a:extLst>
                 <a:ext uri="{FF2B5EF4-FFF2-40B4-BE49-F238E27FC236}">
-                  <a16:creationId xmlns:a16="http://schemas.microsoft.com/office/drawing/2014/main" id="{B426DCC3-5DF6-E988-06E0-004D206BA563}"/>
+                  <a16:creationId xmlns:a16="http://schemas.microsoft.com/office/drawing/2014/main" id="{72EC78A9-12C5-16A2-20CE-21A1EF6B6F93}"/>
                 </a:ext>
               </a:extLst>
             </p:cNvPr>
@@ -6066,7 +5767,7 @@
             <p:cNvPr id="103" name="TextBox 102">
               <a:extLst>
                 <a:ext uri="{FF2B5EF4-FFF2-40B4-BE49-F238E27FC236}">
-                  <a16:creationId xmlns:a16="http://schemas.microsoft.com/office/drawing/2014/main" id="{B37B4695-868C-4BD9-431C-DEA7EDF10B3B}"/>
+                  <a16:creationId xmlns:a16="http://schemas.microsoft.com/office/drawing/2014/main" id="{0789E88B-15AB-122D-AF66-2385A5E6DEE4}"/>
                 </a:ext>
               </a:extLst>
             </p:cNvPr>
@@ -6101,7 +5802,7 @@
             <p:cNvPr id="104" name="TextBox 103">
               <a:extLst>
                 <a:ext uri="{FF2B5EF4-FFF2-40B4-BE49-F238E27FC236}">
-                  <a16:creationId xmlns:a16="http://schemas.microsoft.com/office/drawing/2014/main" id="{84E1B1F6-3BD2-F2C8-1D98-3508E733D4C2}"/>
+                  <a16:creationId xmlns:a16="http://schemas.microsoft.com/office/drawing/2014/main" id="{D274945E-3088-5B53-9694-AD4CF92F9D1C}"/>
                 </a:ext>
               </a:extLst>
             </p:cNvPr>
@@ -6136,7 +5837,7 @@
             <p:cNvPr id="105" name="TextBox 104">
               <a:extLst>
                 <a:ext uri="{FF2B5EF4-FFF2-40B4-BE49-F238E27FC236}">
-                  <a16:creationId xmlns:a16="http://schemas.microsoft.com/office/drawing/2014/main" id="{C173178E-7944-136C-E4C3-1BE2DE18884F}"/>
+                  <a16:creationId xmlns:a16="http://schemas.microsoft.com/office/drawing/2014/main" id="{9AB9458A-4CAD-AFE5-C63C-EA8202B710E3}"/>
                 </a:ext>
               </a:extLst>
             </p:cNvPr>
@@ -6171,7 +5872,7 @@
             <p:cNvPr id="106" name="TextBox 105">
               <a:extLst>
                 <a:ext uri="{FF2B5EF4-FFF2-40B4-BE49-F238E27FC236}">
-                  <a16:creationId xmlns:a16="http://schemas.microsoft.com/office/drawing/2014/main" id="{51D60D5D-8681-073F-A933-8CB1B9E12595}"/>
+                  <a16:creationId xmlns:a16="http://schemas.microsoft.com/office/drawing/2014/main" id="{DB109D4A-451C-01C6-356E-15CE9986E068}"/>
                 </a:ext>
               </a:extLst>
             </p:cNvPr>
@@ -6206,7 +5907,7 @@
             <p:cNvPr id="107" name="TextBox 106">
               <a:extLst>
                 <a:ext uri="{FF2B5EF4-FFF2-40B4-BE49-F238E27FC236}">
-                  <a16:creationId xmlns:a16="http://schemas.microsoft.com/office/drawing/2014/main" id="{F61D95F8-B35C-C365-5658-CA704270D13A}"/>
+                  <a16:creationId xmlns:a16="http://schemas.microsoft.com/office/drawing/2014/main" id="{819BFD2D-7E1E-1F0F-B8E4-33DE46162622}"/>
                 </a:ext>
               </a:extLst>
             </p:cNvPr>
@@ -6241,7 +5942,7 @@
             <p:cNvPr id="109" name="TextBox 108">
               <a:extLst>
                 <a:ext uri="{FF2B5EF4-FFF2-40B4-BE49-F238E27FC236}">
-                  <a16:creationId xmlns:a16="http://schemas.microsoft.com/office/drawing/2014/main" id="{192485B1-8EF1-AEC7-E8CE-5B453D839DA5}"/>
+                  <a16:creationId xmlns:a16="http://schemas.microsoft.com/office/drawing/2014/main" id="{208C06F0-4AC3-D198-F6E4-FCA85EEDEA3D}"/>
                 </a:ext>
               </a:extLst>
             </p:cNvPr>
@@ -6250,7 +5951,7 @@
           </p:nvSpPr>
           <p:spPr>
             <a:xfrm>
-              <a:off x="3151820" y="528043"/>
+              <a:off x="3141146" y="531601"/>
               <a:ext cx="311972" cy="200055"/>
             </a:xfrm>
             <a:prstGeom prst="rect">
@@ -6266,7 +5967,7 @@
             <a:p>
               <a:r>
                 <a:rPr lang="en-US" sz="700" dirty="0"/>
-                <a:t>30</a:t>
+                <a:t>35</a:t>
               </a:r>
             </a:p>
           </p:txBody>
@@ -6276,7 +5977,7 @@
             <p:cNvPr id="110" name="TextBox 109">
               <a:extLst>
                 <a:ext uri="{FF2B5EF4-FFF2-40B4-BE49-F238E27FC236}">
-                  <a16:creationId xmlns:a16="http://schemas.microsoft.com/office/drawing/2014/main" id="{C55714FC-0555-EAB4-57FC-5626A845E7DB}"/>
+                  <a16:creationId xmlns:a16="http://schemas.microsoft.com/office/drawing/2014/main" id="{6C663646-7360-3695-EEA7-2614D969E9C2}"/>
                 </a:ext>
               </a:extLst>
             </p:cNvPr>
@@ -6285,7 +5986,7 @@
           </p:nvSpPr>
           <p:spPr>
             <a:xfrm>
-              <a:off x="3145756" y="790295"/>
+              <a:off x="3138640" y="1003775"/>
               <a:ext cx="311972" cy="200055"/>
             </a:xfrm>
             <a:prstGeom prst="rect">
@@ -6311,7 +6012,7 @@
             <p:cNvPr id="111" name="TextBox 110">
               <a:extLst>
                 <a:ext uri="{FF2B5EF4-FFF2-40B4-BE49-F238E27FC236}">
-                  <a16:creationId xmlns:a16="http://schemas.microsoft.com/office/drawing/2014/main" id="{1AE171BA-FBA5-DD81-B344-DE9BE653CFA5}"/>
+                  <a16:creationId xmlns:a16="http://schemas.microsoft.com/office/drawing/2014/main" id="{2380468B-D113-8AC6-76E2-F0AE7C04125D}"/>
                 </a:ext>
               </a:extLst>
             </p:cNvPr>
@@ -6320,7 +6021,7 @@
           </p:nvSpPr>
           <p:spPr>
             <a:xfrm>
-              <a:off x="3145756" y="1072817"/>
+              <a:off x="3138640" y="1232927"/>
               <a:ext cx="311972" cy="200055"/>
             </a:xfrm>
             <a:prstGeom prst="rect">
@@ -6346,7 +6047,7 @@
             <p:cNvPr id="112" name="TextBox 111">
               <a:extLst>
                 <a:ext uri="{FF2B5EF4-FFF2-40B4-BE49-F238E27FC236}">
-                  <a16:creationId xmlns:a16="http://schemas.microsoft.com/office/drawing/2014/main" id="{30DBD1BD-8445-390F-3E5D-B5FABF564C4E}"/>
+                  <a16:creationId xmlns:a16="http://schemas.microsoft.com/office/drawing/2014/main" id="{98A941DE-93E7-4309-627A-CD6B2B7CEFC6}"/>
                 </a:ext>
               </a:extLst>
             </p:cNvPr>
@@ -6355,7 +6056,7 @@
           </p:nvSpPr>
           <p:spPr>
             <a:xfrm>
-              <a:off x="3145756" y="1337218"/>
+              <a:off x="3138640" y="1465306"/>
               <a:ext cx="311972" cy="200055"/>
             </a:xfrm>
             <a:prstGeom prst="rect">
@@ -6381,7 +6082,7 @@
             <p:cNvPr id="113" name="TextBox 112">
               <a:extLst>
                 <a:ext uri="{FF2B5EF4-FFF2-40B4-BE49-F238E27FC236}">
-                  <a16:creationId xmlns:a16="http://schemas.microsoft.com/office/drawing/2014/main" id="{704A48EF-DF14-7BB1-3473-4955543FCCC6}"/>
+                  <a16:creationId xmlns:a16="http://schemas.microsoft.com/office/drawing/2014/main" id="{DCC6F1B9-71E5-7CC6-940C-477F5CDD13C6}"/>
                 </a:ext>
               </a:extLst>
             </p:cNvPr>
@@ -6390,7 +6091,7 @@
           </p:nvSpPr>
           <p:spPr>
             <a:xfrm>
-              <a:off x="3145756" y="1604048"/>
+              <a:off x="3135082" y="1703672"/>
               <a:ext cx="311972" cy="200055"/>
             </a:xfrm>
             <a:prstGeom prst="rect">
@@ -6416,7 +6117,7 @@
             <p:cNvPr id="114" name="TextBox 113">
               <a:extLst>
                 <a:ext uri="{FF2B5EF4-FFF2-40B4-BE49-F238E27FC236}">
-                  <a16:creationId xmlns:a16="http://schemas.microsoft.com/office/drawing/2014/main" id="{413B3DBA-C37D-5C51-9B54-0B967DD35645}"/>
+                  <a16:creationId xmlns:a16="http://schemas.microsoft.com/office/drawing/2014/main" id="{D72D05F5-E83B-812F-238E-CA46837765DA}"/>
                 </a:ext>
               </a:extLst>
             </p:cNvPr>
@@ -6425,7 +6126,7 @@
           </p:nvSpPr>
           <p:spPr>
             <a:xfrm>
-              <a:off x="3129147" y="1878411"/>
+              <a:off x="3122031" y="1935339"/>
               <a:ext cx="311972" cy="200055"/>
             </a:xfrm>
             <a:prstGeom prst="rect">
@@ -6451,7 +6152,7 @@
             <p:cNvPr id="115" name="TextBox 114">
               <a:extLst>
                 <a:ext uri="{FF2B5EF4-FFF2-40B4-BE49-F238E27FC236}">
-                  <a16:creationId xmlns:a16="http://schemas.microsoft.com/office/drawing/2014/main" id="{EB6529E2-4BDE-5653-C803-29A1BED4F4A2}"/>
+                  <a16:creationId xmlns:a16="http://schemas.microsoft.com/office/drawing/2014/main" id="{E142A738-07A4-2C25-3032-56101E13E1FD}"/>
                 </a:ext>
               </a:extLst>
             </p:cNvPr>
@@ -6460,7 +6161,7 @@
           </p:nvSpPr>
           <p:spPr>
             <a:xfrm>
-              <a:off x="3135573" y="2166201"/>
+              <a:off x="3121341" y="2166201"/>
               <a:ext cx="311972" cy="200055"/>
             </a:xfrm>
             <a:prstGeom prst="rect">
@@ -6486,7 +6187,7 @@
             <p:cNvPr id="116" name="TextBox 115">
               <a:extLst>
                 <a:ext uri="{FF2B5EF4-FFF2-40B4-BE49-F238E27FC236}">
-                  <a16:creationId xmlns:a16="http://schemas.microsoft.com/office/drawing/2014/main" id="{F002DA3F-6CC4-6E23-A141-B094E1A31C17}"/>
+                  <a16:creationId xmlns:a16="http://schemas.microsoft.com/office/drawing/2014/main" id="{F2DBD0A4-0FE8-DAB1-0CAE-62D98F6A1B01}"/>
                 </a:ext>
               </a:extLst>
             </p:cNvPr>
@@ -6523,10 +6224,85 @@
       </p:grpSp>
       <p:sp>
         <p:nvSpPr>
+          <p:cNvPr id="99" name="TextBox 98">
+            <a:extLst>
+              <a:ext uri="{FF2B5EF4-FFF2-40B4-BE49-F238E27FC236}">
+                <a16:creationId xmlns:a16="http://schemas.microsoft.com/office/drawing/2014/main" id="{C420CEB1-78DF-2AB8-6AF1-8D97A8874EF1}"/>
+              </a:ext>
+            </a:extLst>
+          </p:cNvPr>
+          <p:cNvSpPr txBox="1"/>
+          <p:nvPr/>
+        </p:nvSpPr>
+        <p:spPr>
+          <a:xfrm rot="16200000">
+            <a:off x="-874549" y="3387676"/>
+            <a:ext cx="1946885" cy="215444"/>
+          </a:xfrm>
+          <a:prstGeom prst="rect">
+            <a:avLst/>
+          </a:prstGeom>
+          <a:noFill/>
+        </p:spPr>
+        <p:txBody>
+          <a:bodyPr wrap="square" rtlCol="0">
+            <a:spAutoFit/>
+          </a:bodyPr>
+          <a:lstStyle/>
+          <a:p>
+            <a:r>
+              <a:rPr lang="en-US" sz="750" b="1" dirty="0"/>
+              <a:t>Normalized Cumulative Microplastic Load</a:t>
+            </a:r>
+            <a:endParaRPr lang="en-US" sz="750" b="1" baseline="30000" dirty="0"/>
+          </a:p>
+        </p:txBody>
+      </p:sp>
+      <p:sp>
+        <p:nvSpPr>
+          <p:cNvPr id="100" name="TextBox 99">
+            <a:extLst>
+              <a:ext uri="{FF2B5EF4-FFF2-40B4-BE49-F238E27FC236}">
+                <a16:creationId xmlns:a16="http://schemas.microsoft.com/office/drawing/2014/main" id="{1924E11B-231D-54F2-6D96-4302B3BC2E74}"/>
+              </a:ext>
+            </a:extLst>
+          </p:cNvPr>
+          <p:cNvSpPr txBox="1"/>
+          <p:nvPr/>
+        </p:nvSpPr>
+        <p:spPr>
+          <a:xfrm rot="16200000">
+            <a:off x="-786065" y="1312556"/>
+            <a:ext cx="1802910" cy="215444"/>
+          </a:xfrm>
+          <a:prstGeom prst="rect">
+            <a:avLst/>
+          </a:prstGeom>
+          <a:noFill/>
+        </p:spPr>
+        <p:txBody>
+          <a:bodyPr wrap="square" rtlCol="0">
+            <a:spAutoFit/>
+          </a:bodyPr>
+          <a:lstStyle/>
+          <a:p>
+            <a:r>
+              <a:rPr lang="en-US" sz="800" b="1" dirty="0"/>
+              <a:t>Cumulative Microplastic Load [n] x10</a:t>
+            </a:r>
+            <a:r>
+              <a:rPr lang="en-US" sz="800" b="1" baseline="30000" dirty="0"/>
+              <a:t>9</a:t>
+            </a:r>
+          </a:p>
+        </p:txBody>
+      </p:sp>
+      <p:sp>
+        <p:nvSpPr>
           <p:cNvPr id="122" name="TextBox 121">
             <a:extLst>
               <a:ext uri="{FF2B5EF4-FFF2-40B4-BE49-F238E27FC236}">
-                <a16:creationId xmlns:a16="http://schemas.microsoft.com/office/drawing/2014/main" id="{D61CEF5C-E0FA-DBDF-E323-96EA2BFB3FB2}"/>
+                <a16:creationId xmlns:a16="http://schemas.microsoft.com/office/drawing/2014/main" id="{4569E3CE-2D02-3232-2C5F-6BC2351A074C}"/>
               </a:ext>
             </a:extLst>
           </p:cNvPr>
@@ -6572,7 +6348,7 @@
           <p:cNvPr id="123" name="TextBox 122">
             <a:extLst>
               <a:ext uri="{FF2B5EF4-FFF2-40B4-BE49-F238E27FC236}">
-                <a16:creationId xmlns:a16="http://schemas.microsoft.com/office/drawing/2014/main" id="{EFFC2659-B5C1-9AF2-0A28-FDE4F1EFEA10}"/>
+                <a16:creationId xmlns:a16="http://schemas.microsoft.com/office/drawing/2014/main" id="{6013D368-7F60-EE38-C2D6-81259CCA11D4}"/>
               </a:ext>
             </a:extLst>
           </p:cNvPr>
@@ -6618,7 +6394,7 @@
           <p:cNvPr id="125" name="TextBox 124">
             <a:extLst>
               <a:ext uri="{FF2B5EF4-FFF2-40B4-BE49-F238E27FC236}">
-                <a16:creationId xmlns:a16="http://schemas.microsoft.com/office/drawing/2014/main" id="{62B27729-C83F-0980-83D4-431BA6D187A6}"/>
+                <a16:creationId xmlns:a16="http://schemas.microsoft.com/office/drawing/2014/main" id="{14C5BCBD-C85A-DAFF-DB5D-5F8E2F017720}"/>
               </a:ext>
             </a:extLst>
           </p:cNvPr>
@@ -6657,7 +6433,7 @@
           <p:cNvPr id="4" name="TextBox 3">
             <a:extLst>
               <a:ext uri="{FF2B5EF4-FFF2-40B4-BE49-F238E27FC236}">
-                <a16:creationId xmlns:a16="http://schemas.microsoft.com/office/drawing/2014/main" id="{99195979-A2AE-2BA1-6607-02FE6D80FD85}"/>
+                <a16:creationId xmlns:a16="http://schemas.microsoft.com/office/drawing/2014/main" id="{7077684A-4857-03B9-6610-4D359B418029}"/>
               </a:ext>
             </a:extLst>
           </p:cNvPr>
@@ -6703,7 +6479,7 @@
           <p:cNvPr id="126" name="TextBox 125">
             <a:extLst>
               <a:ext uri="{FF2B5EF4-FFF2-40B4-BE49-F238E27FC236}">
-                <a16:creationId xmlns:a16="http://schemas.microsoft.com/office/drawing/2014/main" id="{9C98AF89-2737-C833-0AF2-C9E0EB45460C}"/>
+                <a16:creationId xmlns:a16="http://schemas.microsoft.com/office/drawing/2014/main" id="{01FBE519-C26C-9C76-F74C-4F49295D1846}"/>
               </a:ext>
             </a:extLst>
           </p:cNvPr>
@@ -6737,10 +6513,190 @@
           </a:p>
         </p:txBody>
       </p:sp>
+      <p:sp>
+        <p:nvSpPr>
+          <p:cNvPr id="9" name="TextBox 8">
+            <a:extLst>
+              <a:ext uri="{FF2B5EF4-FFF2-40B4-BE49-F238E27FC236}">
+                <a16:creationId xmlns:a16="http://schemas.microsoft.com/office/drawing/2014/main" id="{6BDDB6AE-9948-B319-740A-F85B8DCF0963}"/>
+              </a:ext>
+            </a:extLst>
+          </p:cNvPr>
+          <p:cNvSpPr txBox="1"/>
+          <p:nvPr/>
+        </p:nvSpPr>
+        <p:spPr>
+          <a:xfrm>
+            <a:off x="3148659" y="765835"/>
+            <a:ext cx="311972" cy="200055"/>
+          </a:xfrm>
+          <a:prstGeom prst="rect">
+            <a:avLst/>
+          </a:prstGeom>
+          <a:noFill/>
+        </p:spPr>
+        <p:txBody>
+          <a:bodyPr wrap="square" rtlCol="0">
+            <a:spAutoFit/>
+          </a:bodyPr>
+          <a:lstStyle/>
+          <a:p>
+            <a:r>
+              <a:rPr lang="en-US" sz="700" dirty="0"/>
+              <a:t>30</a:t>
+            </a:r>
+          </a:p>
+        </p:txBody>
+      </p:sp>
+      <p:pic>
+        <p:nvPicPr>
+          <p:cNvPr id="20" name="Picture 19">
+            <a:extLst>
+              <a:ext uri="{FF2B5EF4-FFF2-40B4-BE49-F238E27FC236}">
+                <a16:creationId xmlns:a16="http://schemas.microsoft.com/office/drawing/2014/main" id="{0C8D4A8E-AA51-8833-5D03-9A67E899F4FC}"/>
+              </a:ext>
+            </a:extLst>
+          </p:cNvPr>
+          <p:cNvPicPr>
+            <a:picLocks noChangeAspect="1"/>
+          </p:cNvPicPr>
+          <p:nvPr/>
+        </p:nvPicPr>
+        <p:blipFill rotWithShape="1">
+          <a:blip r:embed="rId7"/>
+          <a:srcRect l="19934" t="77267" r="20915" b="7046"/>
+          <a:stretch>
+            <a:fillRect/>
+          </a:stretch>
+        </p:blipFill>
+        <p:spPr>
+          <a:xfrm>
+            <a:off x="1989853" y="4821381"/>
+            <a:ext cx="1633723" cy="327891"/>
+          </a:xfrm>
+          <a:prstGeom prst="rect">
+            <a:avLst/>
+          </a:prstGeom>
+        </p:spPr>
+      </p:pic>
+      <p:pic>
+        <p:nvPicPr>
+          <p:cNvPr id="22" name="Picture 21">
+            <a:extLst>
+              <a:ext uri="{FF2B5EF4-FFF2-40B4-BE49-F238E27FC236}">
+                <a16:creationId xmlns:a16="http://schemas.microsoft.com/office/drawing/2014/main" id="{2D52E330-D2AD-F19E-ED00-CC8F84D2257C}"/>
+              </a:ext>
+            </a:extLst>
+          </p:cNvPr>
+          <p:cNvPicPr>
+            <a:picLocks noChangeAspect="1"/>
+          </p:cNvPicPr>
+          <p:nvPr/>
+        </p:nvPicPr>
+        <p:blipFill rotWithShape="1">
+          <a:blip r:embed="rId7"/>
+          <a:srcRect l="19934" t="47502" r="20915" b="36432"/>
+          <a:stretch>
+            <a:fillRect/>
+          </a:stretch>
+        </p:blipFill>
+        <p:spPr>
+          <a:xfrm>
+            <a:off x="3822185" y="4836571"/>
+            <a:ext cx="1633723" cy="335793"/>
+          </a:xfrm>
+          <a:prstGeom prst="rect">
+            <a:avLst/>
+          </a:prstGeom>
+        </p:spPr>
+      </p:pic>
+      <p:grpSp>
+        <p:nvGrpSpPr>
+          <p:cNvPr id="24" name="Group 23">
+            <a:extLst>
+              <a:ext uri="{FF2B5EF4-FFF2-40B4-BE49-F238E27FC236}">
+                <a16:creationId xmlns:a16="http://schemas.microsoft.com/office/drawing/2014/main" id="{ED15DFE5-5B25-6645-D54D-60D632EFE63A}"/>
+              </a:ext>
+            </a:extLst>
+          </p:cNvPr>
+          <p:cNvGrpSpPr/>
+          <p:nvPr/>
+        </p:nvGrpSpPr>
+        <p:grpSpPr>
+          <a:xfrm>
+            <a:off x="155132" y="4844473"/>
+            <a:ext cx="1633724" cy="452461"/>
+            <a:chOff x="155132" y="5176982"/>
+            <a:chExt cx="1633724" cy="452461"/>
+          </a:xfrm>
+        </p:grpSpPr>
+        <p:pic>
+          <p:nvPicPr>
+            <p:cNvPr id="18" name="Picture 17">
+              <a:extLst>
+                <a:ext uri="{FF2B5EF4-FFF2-40B4-BE49-F238E27FC236}">
+                  <a16:creationId xmlns:a16="http://schemas.microsoft.com/office/drawing/2014/main" id="{A173E52E-7428-2C68-2A1F-1989BCE5DB7E}"/>
+                </a:ext>
+              </a:extLst>
+            </p:cNvPr>
+            <p:cNvPicPr>
+              <a:picLocks noChangeAspect="1"/>
+            </p:cNvPicPr>
+            <p:nvPr/>
+          </p:nvPicPr>
+          <p:blipFill rotWithShape="1">
+            <a:blip r:embed="rId7"/>
+            <a:srcRect l="19934" t="62939" r="20915" b="20995"/>
+            <a:stretch>
+              <a:fillRect/>
+            </a:stretch>
+          </p:blipFill>
+          <p:spPr>
+            <a:xfrm>
+              <a:off x="155133" y="5176982"/>
+              <a:ext cx="1633723" cy="335794"/>
+            </a:xfrm>
+            <a:prstGeom prst="rect">
+              <a:avLst/>
+            </a:prstGeom>
+          </p:spPr>
+        </p:pic>
+        <p:pic>
+          <p:nvPicPr>
+            <p:cNvPr id="23" name="Picture 22">
+              <a:extLst>
+                <a:ext uri="{FF2B5EF4-FFF2-40B4-BE49-F238E27FC236}">
+                  <a16:creationId xmlns:a16="http://schemas.microsoft.com/office/drawing/2014/main" id="{80F2EFEE-1105-4572-25A8-3DC824D53776}"/>
+                </a:ext>
+              </a:extLst>
+            </p:cNvPr>
+            <p:cNvPicPr>
+              <a:picLocks noChangeAspect="1"/>
+            </p:cNvPicPr>
+            <p:nvPr/>
+          </p:nvPicPr>
+          <p:blipFill rotWithShape="1">
+            <a:blip r:embed="rId7"/>
+            <a:srcRect l="19934" t="93284" r="20915"/>
+            <a:stretch>
+              <a:fillRect/>
+            </a:stretch>
+          </p:blipFill>
+          <p:spPr>
+            <a:xfrm>
+              <a:off x="155132" y="5489058"/>
+              <a:ext cx="1633723" cy="140385"/>
+            </a:xfrm>
+            <a:prstGeom prst="rect">
+              <a:avLst/>
+            </a:prstGeom>
+          </p:spPr>
+        </p:pic>
+      </p:grpSp>
     </p:spTree>
     <p:extLst>
       <p:ext uri="{BB962C8B-B14F-4D97-AF65-F5344CB8AC3E}">
-        <p14:creationId xmlns:p14="http://schemas.microsoft.com/office/powerpoint/2010/main" val="1998842383"/>
+        <p14:creationId xmlns:p14="http://schemas.microsoft.com/office/powerpoint/2010/main" val="179150109"/>
       </p:ext>
     </p:extLst>
   </p:cSld>
